--- a/assets/map.pptx
+++ b/assets/map.pptx
@@ -104,6 +104,11 @@
       </a:defRPr>
     </a:lvl9pPr>
   </p:defaultTextStyle>
+  <p:extLst>
+    <p:ext uri="{EFAFB233-063F-42B5-8137-9DF3F51BA10A}">
+      <p15:sldGuideLst xmlns:p15="http://schemas.microsoft.com/office/powerpoint/2012/main"/>
+    </p:ext>
+  </p:extLst>
 </p:presentation>
 </file>
 
@@ -254,7 +259,7 @@
           <a:p>
             <a:fld id="{F2BA3A1D-8F33-455E-B219-40DA7DAADDEC}" type="datetimeFigureOut">
               <a:rPr lang="en-US" smtClean="0"/>
-              <a:t>10/21/2019</a:t>
+              <a:t>11/3/2019</a:t>
             </a:fld>
             <a:endParaRPr lang="en-US"/>
           </a:p>
@@ -452,7 +457,7 @@
           <a:p>
             <a:fld id="{F2BA3A1D-8F33-455E-B219-40DA7DAADDEC}" type="datetimeFigureOut">
               <a:rPr lang="en-US" smtClean="0"/>
-              <a:t>10/21/2019</a:t>
+              <a:t>11/3/2019</a:t>
             </a:fld>
             <a:endParaRPr lang="en-US"/>
           </a:p>
@@ -660,7 +665,7 @@
           <a:p>
             <a:fld id="{F2BA3A1D-8F33-455E-B219-40DA7DAADDEC}" type="datetimeFigureOut">
               <a:rPr lang="en-US" smtClean="0"/>
-              <a:t>10/21/2019</a:t>
+              <a:t>11/3/2019</a:t>
             </a:fld>
             <a:endParaRPr lang="en-US"/>
           </a:p>
@@ -858,7 +863,7 @@
           <a:p>
             <a:fld id="{F2BA3A1D-8F33-455E-B219-40DA7DAADDEC}" type="datetimeFigureOut">
               <a:rPr lang="en-US" smtClean="0"/>
-              <a:t>10/21/2019</a:t>
+              <a:t>11/3/2019</a:t>
             </a:fld>
             <a:endParaRPr lang="en-US"/>
           </a:p>
@@ -1133,7 +1138,7 @@
           <a:p>
             <a:fld id="{F2BA3A1D-8F33-455E-B219-40DA7DAADDEC}" type="datetimeFigureOut">
               <a:rPr lang="en-US" smtClean="0"/>
-              <a:t>10/21/2019</a:t>
+              <a:t>11/3/2019</a:t>
             </a:fld>
             <a:endParaRPr lang="en-US"/>
           </a:p>
@@ -1398,7 +1403,7 @@
           <a:p>
             <a:fld id="{F2BA3A1D-8F33-455E-B219-40DA7DAADDEC}" type="datetimeFigureOut">
               <a:rPr lang="en-US" smtClean="0"/>
-              <a:t>10/21/2019</a:t>
+              <a:t>11/3/2019</a:t>
             </a:fld>
             <a:endParaRPr lang="en-US"/>
           </a:p>
@@ -1810,7 +1815,7 @@
           <a:p>
             <a:fld id="{F2BA3A1D-8F33-455E-B219-40DA7DAADDEC}" type="datetimeFigureOut">
               <a:rPr lang="en-US" smtClean="0"/>
-              <a:t>10/21/2019</a:t>
+              <a:t>11/3/2019</a:t>
             </a:fld>
             <a:endParaRPr lang="en-US"/>
           </a:p>
@@ -1951,7 +1956,7 @@
           <a:p>
             <a:fld id="{F2BA3A1D-8F33-455E-B219-40DA7DAADDEC}" type="datetimeFigureOut">
               <a:rPr lang="en-US" smtClean="0"/>
-              <a:t>10/21/2019</a:t>
+              <a:t>11/3/2019</a:t>
             </a:fld>
             <a:endParaRPr lang="en-US"/>
           </a:p>
@@ -2064,7 +2069,7 @@
           <a:p>
             <a:fld id="{F2BA3A1D-8F33-455E-B219-40DA7DAADDEC}" type="datetimeFigureOut">
               <a:rPr lang="en-US" smtClean="0"/>
-              <a:t>10/21/2019</a:t>
+              <a:t>11/3/2019</a:t>
             </a:fld>
             <a:endParaRPr lang="en-US"/>
           </a:p>
@@ -2375,7 +2380,7 @@
           <a:p>
             <a:fld id="{F2BA3A1D-8F33-455E-B219-40DA7DAADDEC}" type="datetimeFigureOut">
               <a:rPr lang="en-US" smtClean="0"/>
-              <a:t>10/21/2019</a:t>
+              <a:t>11/3/2019</a:t>
             </a:fld>
             <a:endParaRPr lang="en-US"/>
           </a:p>
@@ -2663,7 +2668,7 @@
           <a:p>
             <a:fld id="{F2BA3A1D-8F33-455E-B219-40DA7DAADDEC}" type="datetimeFigureOut">
               <a:rPr lang="en-US" smtClean="0"/>
-              <a:t>10/21/2019</a:t>
+              <a:t>11/3/2019</a:t>
             </a:fld>
             <a:endParaRPr lang="en-US"/>
           </a:p>
@@ -2904,7 +2909,7 @@
           <a:p>
             <a:fld id="{F2BA3A1D-8F33-455E-B219-40DA7DAADDEC}" type="datetimeFigureOut">
               <a:rPr lang="en-US" smtClean="0"/>
-              <a:t>10/21/2019</a:t>
+              <a:t>11/3/2019</a:t>
             </a:fld>
             <a:endParaRPr lang="en-US"/>
           </a:p>
@@ -3323,10 +3328,10 @@
       </p:grpSpPr>
       <p:grpSp>
         <p:nvGrpSpPr>
-          <p:cNvPr id="14" name="Group 13">
-            <a:extLst>
-              <a:ext uri="{FF2B5EF4-FFF2-40B4-BE49-F238E27FC236}">
-                <a16:creationId xmlns:a16="http://schemas.microsoft.com/office/drawing/2014/main" id="{83BA8B9A-45D9-40C3-B113-7E4BF69267C5}"/>
+          <p:cNvPr id="4" name="Group 3">
+            <a:extLst>
+              <a:ext uri="{FF2B5EF4-FFF2-40B4-BE49-F238E27FC236}">
+                <a16:creationId xmlns:a16="http://schemas.microsoft.com/office/drawing/2014/main" id="{A17AC1EA-A9A9-48CD-AA45-EBE7651732DB}"/>
               </a:ext>
             </a:extLst>
           </p:cNvPr>
@@ -3341,156 +3346,177 @@
             <a:chExt cx="12192000" cy="6953249"/>
           </a:xfrm>
         </p:grpSpPr>
-        <p:pic>
-          <p:nvPicPr>
-            <p:cNvPr id="5" name="Picture 4" descr="A close up of a map&#10;&#10;Description automatically generated">
+        <p:grpSp>
+          <p:nvGrpSpPr>
+            <p:cNvPr id="14" name="Group 13">
               <a:extLst>
                 <a:ext uri="{FF2B5EF4-FFF2-40B4-BE49-F238E27FC236}">
-                  <a16:creationId xmlns:a16="http://schemas.microsoft.com/office/drawing/2014/main" id="{CC2E98A3-540A-4801-86E3-DC95FED8FDAA}"/>
+                  <a16:creationId xmlns:a16="http://schemas.microsoft.com/office/drawing/2014/main" id="{83BA8B9A-45D9-40C3-B113-7E4BF69267C5}"/>
                 </a:ext>
               </a:extLst>
             </p:cNvPr>
-            <p:cNvPicPr>
-              <a:picLocks noChangeAspect="1"/>
-            </p:cNvPicPr>
+            <p:cNvGrpSpPr/>
             <p:nvPr/>
-          </p:nvPicPr>
-          <p:blipFill>
-            <a:blip r:embed="rId2">
-              <a:extLst>
-                <a:ext uri="{28A0092B-C50C-407E-A947-70E740481C1C}">
-                  <a14:useLocalDpi xmlns:a14="http://schemas.microsoft.com/office/drawing/2010/main" val="0"/>
-                </a:ext>
-              </a:extLst>
-            </a:blip>
-            <a:stretch>
-              <a:fillRect/>
-            </a:stretch>
-          </p:blipFill>
-          <p:spPr>
+          </p:nvGrpSpPr>
+          <p:grpSpPr>
             <a:xfrm>
               <a:off x="0" y="0"/>
               <a:ext cx="12192000" cy="6953249"/>
+              <a:chOff x="0" y="0"/>
+              <a:chExt cx="12192000" cy="6953249"/>
             </a:xfrm>
-            <a:prstGeom prst="rect">
-              <a:avLst/>
-            </a:prstGeom>
-          </p:spPr>
-        </p:pic>
+          </p:grpSpPr>
+          <p:pic>
+            <p:nvPicPr>
+              <p:cNvPr id="5" name="Picture 4" descr="A close up of a map&#10;&#10;Description automatically generated">
+                <a:extLst>
+                  <a:ext uri="{FF2B5EF4-FFF2-40B4-BE49-F238E27FC236}">
+                    <a16:creationId xmlns:a16="http://schemas.microsoft.com/office/drawing/2014/main" id="{CC2E98A3-540A-4801-86E3-DC95FED8FDAA}"/>
+                  </a:ext>
+                </a:extLst>
+              </p:cNvPr>
+              <p:cNvPicPr>
+                <a:picLocks noChangeAspect="1"/>
+              </p:cNvPicPr>
+              <p:nvPr/>
+            </p:nvPicPr>
+            <p:blipFill>
+              <a:blip r:embed="rId2">
+                <a:extLst>
+                  <a:ext uri="{28A0092B-C50C-407E-A947-70E740481C1C}">
+                    <a14:useLocalDpi xmlns:a14="http://schemas.microsoft.com/office/drawing/2010/main" val="0"/>
+                  </a:ext>
+                </a:extLst>
+              </a:blip>
+              <a:stretch>
+                <a:fillRect/>
+              </a:stretch>
+            </p:blipFill>
+            <p:spPr>
+              <a:xfrm>
+                <a:off x="0" y="0"/>
+                <a:ext cx="12192000" cy="6953249"/>
+              </a:xfrm>
+              <a:prstGeom prst="rect">
+                <a:avLst/>
+              </a:prstGeom>
+            </p:spPr>
+          </p:pic>
+          <p:pic>
+            <p:nvPicPr>
+              <p:cNvPr id="7" name="Picture 6" descr="A picture containing photo, monitor, television, screen&#10;&#10;Description automatically generated">
+                <a:extLst>
+                  <a:ext uri="{FF2B5EF4-FFF2-40B4-BE49-F238E27FC236}">
+                    <a16:creationId xmlns:a16="http://schemas.microsoft.com/office/drawing/2014/main" id="{CF8857E0-616D-47F1-97AA-4EB670302B26}"/>
+                  </a:ext>
+                </a:extLst>
+              </p:cNvPr>
+              <p:cNvPicPr>
+                <a:picLocks noChangeAspect="1"/>
+              </p:cNvPicPr>
+              <p:nvPr/>
+            </p:nvPicPr>
+            <p:blipFill>
+              <a:blip r:embed="rId3">
+                <a:extLst>
+                  <a:ext uri="{28A0092B-C50C-407E-A947-70E740481C1C}">
+                    <a14:useLocalDpi xmlns:a14="http://schemas.microsoft.com/office/drawing/2010/main" val="0"/>
+                  </a:ext>
+                </a:extLst>
+              </a:blip>
+              <a:stretch>
+                <a:fillRect/>
+              </a:stretch>
+            </p:blipFill>
+            <p:spPr>
+              <a:xfrm>
+                <a:off x="5105400" y="2943225"/>
+                <a:ext cx="1390650" cy="1390650"/>
+              </a:xfrm>
+              <a:prstGeom prst="rect">
+                <a:avLst/>
+              </a:prstGeom>
+            </p:spPr>
+          </p:pic>
+          <p:pic>
+            <p:nvPicPr>
+              <p:cNvPr id="9" name="Picture 8" descr="A flat screen television&#10;&#10;Description automatically generated">
+                <a:extLst>
+                  <a:ext uri="{FF2B5EF4-FFF2-40B4-BE49-F238E27FC236}">
+                    <a16:creationId xmlns:a16="http://schemas.microsoft.com/office/drawing/2014/main" id="{6D09F2F9-184A-468F-9670-3E3200A9E8E4}"/>
+                  </a:ext>
+                </a:extLst>
+              </p:cNvPr>
+              <p:cNvPicPr>
+                <a:picLocks noChangeAspect="1"/>
+              </p:cNvPicPr>
+              <p:nvPr/>
+            </p:nvPicPr>
+            <p:blipFill>
+              <a:blip r:embed="rId4">
+                <a:extLst>
+                  <a:ext uri="{28A0092B-C50C-407E-A947-70E740481C1C}">
+                    <a14:useLocalDpi xmlns:a14="http://schemas.microsoft.com/office/drawing/2010/main" val="0"/>
+                  </a:ext>
+                </a:extLst>
+              </a:blip>
+              <a:stretch>
+                <a:fillRect/>
+              </a:stretch>
+            </p:blipFill>
+            <p:spPr>
+              <a:xfrm>
+                <a:off x="4676775" y="809625"/>
+                <a:ext cx="1123950" cy="1123950"/>
+              </a:xfrm>
+              <a:prstGeom prst="rect">
+                <a:avLst/>
+              </a:prstGeom>
+            </p:spPr>
+          </p:pic>
+          <p:pic>
+            <p:nvPicPr>
+              <p:cNvPr id="13" name="Picture 12" descr="A picture containing photo, television, monitor, screen&#10;&#10;Description automatically generated">
+                <a:extLst>
+                  <a:ext uri="{FF2B5EF4-FFF2-40B4-BE49-F238E27FC236}">
+                    <a16:creationId xmlns:a16="http://schemas.microsoft.com/office/drawing/2014/main" id="{A00FBE13-31F8-4E27-9452-04B0EEA6AE88}"/>
+                  </a:ext>
+                </a:extLst>
+              </p:cNvPr>
+              <p:cNvPicPr>
+                <a:picLocks noChangeAspect="1"/>
+              </p:cNvPicPr>
+              <p:nvPr/>
+            </p:nvPicPr>
+            <p:blipFill>
+              <a:blip r:embed="rId5">
+                <a:extLst>
+                  <a:ext uri="{28A0092B-C50C-407E-A947-70E740481C1C}">
+                    <a14:useLocalDpi xmlns:a14="http://schemas.microsoft.com/office/drawing/2010/main" val="0"/>
+                  </a:ext>
+                </a:extLst>
+              </a:blip>
+              <a:stretch>
+                <a:fillRect/>
+              </a:stretch>
+            </p:blipFill>
+            <p:spPr>
+              <a:xfrm>
+                <a:off x="9563100" y="4333875"/>
+                <a:ext cx="1200150" cy="1200150"/>
+              </a:xfrm>
+              <a:prstGeom prst="rect">
+                <a:avLst/>
+              </a:prstGeom>
+            </p:spPr>
+          </p:pic>
+        </p:grpSp>
         <p:pic>
           <p:nvPicPr>
-            <p:cNvPr id="7" name="Picture 6" descr="A picture containing photo, monitor, television, screen&#10;&#10;Description automatically generated">
+            <p:cNvPr id="3" name="Picture 2">
               <a:extLst>
                 <a:ext uri="{FF2B5EF4-FFF2-40B4-BE49-F238E27FC236}">
-                  <a16:creationId xmlns:a16="http://schemas.microsoft.com/office/drawing/2014/main" id="{CF8857E0-616D-47F1-97AA-4EB670302B26}"/>
-                </a:ext>
-              </a:extLst>
-            </p:cNvPr>
-            <p:cNvPicPr>
-              <a:picLocks noChangeAspect="1"/>
-            </p:cNvPicPr>
-            <p:nvPr/>
-          </p:nvPicPr>
-          <p:blipFill>
-            <a:blip r:embed="rId3">
-              <a:extLst>
-                <a:ext uri="{28A0092B-C50C-407E-A947-70E740481C1C}">
-                  <a14:useLocalDpi xmlns:a14="http://schemas.microsoft.com/office/drawing/2010/main" val="0"/>
-                </a:ext>
-              </a:extLst>
-            </a:blip>
-            <a:stretch>
-              <a:fillRect/>
-            </a:stretch>
-          </p:blipFill>
-          <p:spPr>
-            <a:xfrm>
-              <a:off x="5105400" y="2943225"/>
-              <a:ext cx="1390650" cy="1390650"/>
-            </a:xfrm>
-            <a:prstGeom prst="rect">
-              <a:avLst/>
-            </a:prstGeom>
-          </p:spPr>
-        </p:pic>
-        <p:pic>
-          <p:nvPicPr>
-            <p:cNvPr id="9" name="Picture 8" descr="A flat screen television&#10;&#10;Description automatically generated">
-              <a:extLst>
-                <a:ext uri="{FF2B5EF4-FFF2-40B4-BE49-F238E27FC236}">
-                  <a16:creationId xmlns:a16="http://schemas.microsoft.com/office/drawing/2014/main" id="{6D09F2F9-184A-468F-9670-3E3200A9E8E4}"/>
-                </a:ext>
-              </a:extLst>
-            </p:cNvPr>
-            <p:cNvPicPr>
-              <a:picLocks noChangeAspect="1"/>
-            </p:cNvPicPr>
-            <p:nvPr/>
-          </p:nvPicPr>
-          <p:blipFill>
-            <a:blip r:embed="rId4">
-              <a:extLst>
-                <a:ext uri="{28A0092B-C50C-407E-A947-70E740481C1C}">
-                  <a14:useLocalDpi xmlns:a14="http://schemas.microsoft.com/office/drawing/2010/main" val="0"/>
-                </a:ext>
-              </a:extLst>
-            </a:blip>
-            <a:stretch>
-              <a:fillRect/>
-            </a:stretch>
-          </p:blipFill>
-          <p:spPr>
-            <a:xfrm>
-              <a:off x="4676775" y="809625"/>
-              <a:ext cx="1123950" cy="1123950"/>
-            </a:xfrm>
-            <a:prstGeom prst="rect">
-              <a:avLst/>
-            </a:prstGeom>
-          </p:spPr>
-        </p:pic>
-        <p:pic>
-          <p:nvPicPr>
-            <p:cNvPr id="11" name="Picture 10" descr="A picture containing monitor, photo, television, screen&#10;&#10;Description automatically generated">
-              <a:extLst>
-                <a:ext uri="{FF2B5EF4-FFF2-40B4-BE49-F238E27FC236}">
-                  <a16:creationId xmlns:a16="http://schemas.microsoft.com/office/drawing/2014/main" id="{B7881CAA-38CF-46CF-8258-9EBCA4DB98B0}"/>
-                </a:ext>
-              </a:extLst>
-            </p:cNvPr>
-            <p:cNvPicPr>
-              <a:picLocks noChangeAspect="1"/>
-            </p:cNvPicPr>
-            <p:nvPr/>
-          </p:nvPicPr>
-          <p:blipFill>
-            <a:blip r:embed="rId5">
-              <a:extLst>
-                <a:ext uri="{28A0092B-C50C-407E-A947-70E740481C1C}">
-                  <a14:useLocalDpi xmlns:a14="http://schemas.microsoft.com/office/drawing/2010/main" val="0"/>
-                </a:ext>
-              </a:extLst>
-            </a:blip>
-            <a:stretch>
-              <a:fillRect/>
-            </a:stretch>
-          </p:blipFill>
-          <p:spPr>
-            <a:xfrm>
-              <a:off x="9791700" y="257175"/>
-              <a:ext cx="1066800" cy="1066800"/>
-            </a:xfrm>
-            <a:prstGeom prst="rect">
-              <a:avLst/>
-            </a:prstGeom>
-          </p:spPr>
-        </p:pic>
-        <p:pic>
-          <p:nvPicPr>
-            <p:cNvPr id="13" name="Picture 12" descr="A picture containing photo, television, monitor, screen&#10;&#10;Description automatically generated">
-              <a:extLst>
-                <a:ext uri="{FF2B5EF4-FFF2-40B4-BE49-F238E27FC236}">
-                  <a16:creationId xmlns:a16="http://schemas.microsoft.com/office/drawing/2014/main" id="{A00FBE13-31F8-4E27-9452-04B0EEA6AE88}"/>
+                  <a16:creationId xmlns:a16="http://schemas.microsoft.com/office/drawing/2014/main" id="{3F8C31AA-4894-41EC-A336-9C2A7202D1C2}"/>
                 </a:ext>
               </a:extLst>
             </p:cNvPr>
@@ -3513,8 +3539,8 @@
           </p:blipFill>
           <p:spPr>
             <a:xfrm>
-              <a:off x="9563100" y="4333875"/>
-              <a:ext cx="1200150" cy="1200150"/>
+              <a:off x="9704294" y="304520"/>
+              <a:ext cx="1123950" cy="1123950"/>
             </a:xfrm>
             <a:prstGeom prst="rect">
               <a:avLst/>
